--- a/docs/Map Reduce.pptx
+++ b/docs/Map Reduce.pptx
@@ -152,6 +152,7 @@
 <file path=ppt/revisionInfo.xml><?xml version="1.0" encoding="utf-8"?>
 <p1510:revInfo xmlns:a="http://schemas.openxmlformats.org/drawingml/2006/main" xmlns:r="http://schemas.openxmlformats.org/officeDocument/2006/relationships" xmlns:p1510="http://schemas.microsoft.com/office/powerpoint/2015/10/main">
   <p1510:revLst>
+    <p1510:client id="{5A3A1DA8-3CFB-4A90-911C-AE5F64D65898}" v="3" dt="2025-10-28T20:01:47.472"/>
     <p1510:client id="{E22811B4-A9A2-4793-93FE-DDAF1AD86F81}" v="142" dt="2025-10-28T04:15:23.136"/>
   </p1510:revLst>
 </p1510:revInfo>
@@ -3335,6 +3336,30 @@
             <ac:picMk id="19" creationId="{94AAE3AA-3759-4D28-B0EF-575F25A5146C}"/>
           </ac:picMkLst>
         </pc:picChg>
+      </pc:sldChg>
+    </pc:docChg>
+  </pc:docChgLst>
+  <pc:docChgLst>
+    <pc:chgData name="Andrews, Andy [US] (SP)" userId="aa7cbc67-d850-419c-93ab-6608b7803c77" providerId="ADAL" clId="{28B4DA49-59D9-45BC-9F70-31A90DD27A35}"/>
+    <pc:docChg chg="undo custSel modSld">
+      <pc:chgData name="Andrews, Andy [US] (SP)" userId="aa7cbc67-d850-419c-93ab-6608b7803c77" providerId="ADAL" clId="{28B4DA49-59D9-45BC-9F70-31A90DD27A35}" dt="2025-10-28T20:01:50.264" v="7" actId="20577"/>
+      <pc:docMkLst>
+        <pc:docMk/>
+      </pc:docMkLst>
+      <pc:sldChg chg="modSp mod">
+        <pc:chgData name="Andrews, Andy [US] (SP)" userId="aa7cbc67-d850-419c-93ab-6608b7803c77" providerId="ADAL" clId="{28B4DA49-59D9-45BC-9F70-31A90DD27A35}" dt="2025-10-28T20:01:50.264" v="7" actId="20577"/>
+        <pc:sldMkLst>
+          <pc:docMk/>
+          <pc:sldMk cId="1479441067" sldId="286"/>
+        </pc:sldMkLst>
+        <pc:spChg chg="mod">
+          <ac:chgData name="Andrews, Andy [US] (SP)" userId="aa7cbc67-d850-419c-93ab-6608b7803c77" providerId="ADAL" clId="{28B4DA49-59D9-45BC-9F70-31A90DD27A35}" dt="2025-10-28T20:01:50.264" v="7" actId="20577"/>
+          <ac:spMkLst>
+            <pc:docMk/>
+            <pc:sldMk cId="1479441067" sldId="286"/>
+            <ac:spMk id="3" creationId="{17EC16B5-F350-5DF2-5C03-C74328A56442}"/>
+          </ac:spMkLst>
+        </pc:spChg>
       </pc:sldChg>
     </pc:docChg>
   </pc:docChgLst>
@@ -5865,7 +5890,7 @@
           <a:p>
             <a:fld id="{F9D4FBF1-5558-4BFC-A359-39E63261B8A1}" type="datetimeFigureOut">
               <a:rPr lang="en-US" smtClean="0"/>
-              <a:t>10/27/2025</a:t>
+              <a:t>10/28/2025</a:t>
             </a:fld>
             <a:endParaRPr lang="en-US"/>
           </a:p>
@@ -6140,7 +6165,7 @@
           <a:p>
             <a:fld id="{F9D4FBF1-5558-4BFC-A359-39E63261B8A1}" type="datetimeFigureOut">
               <a:rPr lang="en-US" smtClean="0"/>
-              <a:t>10/27/2025</a:t>
+              <a:t>10/28/2025</a:t>
             </a:fld>
             <a:endParaRPr lang="en-US"/>
           </a:p>
@@ -6334,7 +6359,7 @@
           <a:p>
             <a:fld id="{F9D4FBF1-5558-4BFC-A359-39E63261B8A1}" type="datetimeFigureOut">
               <a:rPr lang="en-US" smtClean="0"/>
-              <a:t>10/27/2025</a:t>
+              <a:t>10/28/2025</a:t>
             </a:fld>
             <a:endParaRPr lang="en-US"/>
           </a:p>
@@ -6607,7 +6632,7 @@
           <a:p>
             <a:fld id="{F9D4FBF1-5558-4BFC-A359-39E63261B8A1}" type="datetimeFigureOut">
               <a:rPr lang="en-US" smtClean="0"/>
-              <a:t>10/27/2025</a:t>
+              <a:t>10/28/2025</a:t>
             </a:fld>
             <a:endParaRPr lang="en-US"/>
           </a:p>
@@ -6948,7 +6973,7 @@
           <a:p>
             <a:fld id="{F9D4FBF1-5558-4BFC-A359-39E63261B8A1}" type="datetimeFigureOut">
               <a:rPr lang="en-US" smtClean="0"/>
-              <a:t>10/27/2025</a:t>
+              <a:t>10/28/2025</a:t>
             </a:fld>
             <a:endParaRPr lang="en-US"/>
           </a:p>
@@ -7571,7 +7596,7 @@
           <a:p>
             <a:fld id="{F9D4FBF1-5558-4BFC-A359-39E63261B8A1}" type="datetimeFigureOut">
               <a:rPr lang="en-US" smtClean="0"/>
-              <a:t>10/27/2025</a:t>
+              <a:t>10/28/2025</a:t>
             </a:fld>
             <a:endParaRPr lang="en-US"/>
           </a:p>
@@ -8431,7 +8456,7 @@
           <a:p>
             <a:fld id="{F9D4FBF1-5558-4BFC-A359-39E63261B8A1}" type="datetimeFigureOut">
               <a:rPr lang="en-US" smtClean="0"/>
-              <a:t>10/27/2025</a:t>
+              <a:t>10/28/2025</a:t>
             </a:fld>
             <a:endParaRPr lang="en-US"/>
           </a:p>
@@ -8601,7 +8626,7 @@
           <a:p>
             <a:fld id="{F9D4FBF1-5558-4BFC-A359-39E63261B8A1}" type="datetimeFigureOut">
               <a:rPr lang="en-US" smtClean="0"/>
-              <a:t>10/27/2025</a:t>
+              <a:t>10/28/2025</a:t>
             </a:fld>
             <a:endParaRPr lang="en-US"/>
           </a:p>
@@ -8781,7 +8806,7 @@
           <a:p>
             <a:fld id="{F9D4FBF1-5558-4BFC-A359-39E63261B8A1}" type="datetimeFigureOut">
               <a:rPr lang="en-US" smtClean="0"/>
-              <a:t>10/27/2025</a:t>
+              <a:t>10/28/2025</a:t>
             </a:fld>
             <a:endParaRPr lang="en-US"/>
           </a:p>
@@ -8951,7 +8976,7 @@
           <a:p>
             <a:fld id="{F9D4FBF1-5558-4BFC-A359-39E63261B8A1}" type="datetimeFigureOut">
               <a:rPr lang="en-US" smtClean="0"/>
-              <a:t>10/27/2025</a:t>
+              <a:t>10/28/2025</a:t>
             </a:fld>
             <a:endParaRPr lang="en-US"/>
           </a:p>
@@ -9198,7 +9223,7 @@
           <a:p>
             <a:fld id="{F9D4FBF1-5558-4BFC-A359-39E63261B8A1}" type="datetimeFigureOut">
               <a:rPr lang="en-US" smtClean="0"/>
-              <a:t>10/27/2025</a:t>
+              <a:t>10/28/2025</a:t>
             </a:fld>
             <a:endParaRPr lang="en-US"/>
           </a:p>
@@ -9490,7 +9515,7 @@
           <a:p>
             <a:fld id="{F9D4FBF1-5558-4BFC-A359-39E63261B8A1}" type="datetimeFigureOut">
               <a:rPr lang="en-US" smtClean="0"/>
-              <a:t>10/27/2025</a:t>
+              <a:t>10/28/2025</a:t>
             </a:fld>
             <a:endParaRPr lang="en-US"/>
           </a:p>
@@ -9934,7 +9959,7 @@
           <a:p>
             <a:fld id="{F9D4FBF1-5558-4BFC-A359-39E63261B8A1}" type="datetimeFigureOut">
               <a:rPr lang="en-US" smtClean="0"/>
-              <a:t>10/27/2025</a:t>
+              <a:t>10/28/2025</a:t>
             </a:fld>
             <a:endParaRPr lang="en-US"/>
           </a:p>
@@ -10052,7 +10077,7 @@
           <a:p>
             <a:fld id="{F9D4FBF1-5558-4BFC-A359-39E63261B8A1}" type="datetimeFigureOut">
               <a:rPr lang="en-US" smtClean="0"/>
-              <a:t>10/27/2025</a:t>
+              <a:t>10/28/2025</a:t>
             </a:fld>
             <a:endParaRPr lang="en-US"/>
           </a:p>
@@ -10147,7 +10172,7 @@
           <a:p>
             <a:fld id="{F9D4FBF1-5558-4BFC-A359-39E63261B8A1}" type="datetimeFigureOut">
               <a:rPr lang="en-US" smtClean="0"/>
-              <a:t>10/27/2025</a:t>
+              <a:t>10/28/2025</a:t>
             </a:fld>
             <a:endParaRPr lang="en-US"/>
           </a:p>
@@ -10426,7 +10451,7 @@
           <a:p>
             <a:fld id="{F9D4FBF1-5558-4BFC-A359-39E63261B8A1}" type="datetimeFigureOut">
               <a:rPr lang="en-US" smtClean="0"/>
-              <a:t>10/27/2025</a:t>
+              <a:t>10/28/2025</a:t>
             </a:fld>
             <a:endParaRPr lang="en-US"/>
           </a:p>
@@ -10701,7 +10726,7 @@
           <a:p>
             <a:fld id="{F9D4FBF1-5558-4BFC-A359-39E63261B8A1}" type="datetimeFigureOut">
               <a:rPr lang="en-US" smtClean="0"/>
-              <a:t>10/27/2025</a:t>
+              <a:t>10/28/2025</a:t>
             </a:fld>
             <a:endParaRPr lang="en-US"/>
           </a:p>
@@ -10904,6 +10929,13 @@
             <a:schemeClr val="lt1"/>
           </a:fontRef>
         </p:style>
+        <p:txBody>
+          <a:bodyPr/>
+          <a:lstStyle/>
+          <a:p>
+            <a:endParaRPr lang="en-US"/>
+          </a:p>
+        </p:txBody>
       </p:sp>
       <p:pic>
         <p:nvPicPr>
@@ -10998,6 +11030,13 @@
             <a:schemeClr val="lt1"/>
           </a:fontRef>
         </p:style>
+        <p:txBody>
+          <a:bodyPr/>
+          <a:lstStyle/>
+          <a:p>
+            <a:endParaRPr lang="en-US"/>
+          </a:p>
+        </p:txBody>
       </p:sp>
       <p:sp>
         <p:nvSpPr>
@@ -11130,7 +11169,7 @@
           <a:p>
             <a:fld id="{F9D4FBF1-5558-4BFC-A359-39E63261B8A1}" type="datetimeFigureOut">
               <a:rPr lang="en-US" smtClean="0"/>
-              <a:t>10/27/2025</a:t>
+              <a:t>10/28/2025</a:t>
             </a:fld>
             <a:endParaRPr lang="en-US"/>
           </a:p>
@@ -16365,8 +16404,8 @@
           </a:p>
         </p:txBody>
       </p:sp>
-      <mc:AlternateContent xmlns:mc="http://schemas.openxmlformats.org/markup-compatibility/2006">
-        <mc:Choice xmlns:a14="http://schemas.microsoft.com/office/drawing/2010/main" Requires="a14">
+      <mc:AlternateContent xmlns:mc="http://schemas.openxmlformats.org/markup-compatibility/2006" xmlns:a14="http://schemas.microsoft.com/office/drawing/2010/main">
+        <mc:Choice Requires="a14">
           <p:sp>
             <p:nvSpPr>
               <p:cNvPr id="8" name="Content Placeholder 7">
@@ -16482,7 +16521,7 @@
             </p:txBody>
           </p:sp>
         </mc:Choice>
-        <mc:Fallback>
+        <mc:Fallback xmlns="">
           <p:sp>
             <p:nvSpPr>
               <p:cNvPr id="8" name="Content Placeholder 7">
@@ -17858,8 +17897,8 @@
           </a:p>
         </p:txBody>
       </p:sp>
-      <mc:AlternateContent xmlns:mc="http://schemas.openxmlformats.org/markup-compatibility/2006">
-        <mc:Choice xmlns:a14="http://schemas.microsoft.com/office/drawing/2010/main" Requires="a14">
+      <mc:AlternateContent xmlns:mc="http://schemas.openxmlformats.org/markup-compatibility/2006" xmlns:a14="http://schemas.microsoft.com/office/drawing/2010/main">
+        <mc:Choice Requires="a14">
           <p:sp>
             <p:nvSpPr>
               <p:cNvPr id="5" name="Content Placeholder 4">
@@ -18380,7 +18419,7 @@
             </p:txBody>
           </p:sp>
         </mc:Choice>
-        <mc:Fallback>
+        <mc:Fallback xmlns="">
           <p:sp>
             <p:nvSpPr>
               <p:cNvPr id="5" name="Content Placeholder 4">
@@ -24224,22 +24263,18 @@
             </a:pPr>
             <a:r>
               <a:rPr lang="en-US" sz="1600" dirty="0"/>
-              <a:t>Source code – </a:t>
+              <a:t>Source code </a:t>
             </a:r>
             <a:r>
-              <a:rPr lang="en-US" sz="1600" dirty="0">
+              <a:rPr lang="en-US" sz="1600"/>
+              <a:t>– </a:t>
+            </a:r>
+            <a:r>
+              <a:rPr lang="en-US" sz="1600">
                 <a:hlinkClick r:id="rId8"/>
               </a:rPr>
-              <a:t>https://github.northgrum.com/s364665/map-reduce</a:t>
+              <a:t>https://github.com/hargrand/map_reduce</a:t>
             </a:r>
-            <a:endParaRPr lang="en-US" sz="1600" dirty="0"/>
-          </a:p>
-          <a:p>
-            <a:pPr>
-              <a:lnSpc>
-                <a:spcPct val="90000"/>
-              </a:lnSpc>
-            </a:pPr>
             <a:endParaRPr lang="en-US" sz="1600" dirty="0"/>
           </a:p>
           <a:p>
@@ -29723,7 +29758,7 @@
               </a:lnSpc>
             </a:pPr>
             <a:r>
-              <a:rPr lang="en-US" sz="1700"/>
+              <a:rPr lang="en-US" sz="1700" dirty="0"/>
               <a:t>Register – Thread specific, high-speed memory</a:t>
             </a:r>
           </a:p>
@@ -29734,7 +29769,7 @@
               </a:lnSpc>
             </a:pPr>
             <a:r>
-              <a:rPr lang="en-US" sz="1700"/>
+              <a:rPr lang="en-US" sz="1700" dirty="0"/>
               <a:t>Shared – Shared across threads within a thread block</a:t>
             </a:r>
           </a:p>
@@ -29745,7 +29780,7 @@
               </a:lnSpc>
             </a:pPr>
             <a:r>
-              <a:rPr lang="en-US" sz="1700"/>
+              <a:rPr lang="en-US" sz="1700" dirty="0"/>
               <a:t>Constant – Available across thread blocks optimized for read operations</a:t>
             </a:r>
           </a:p>
@@ -29756,7 +29791,7 @@
               </a:lnSpc>
             </a:pPr>
             <a:r>
-              <a:rPr lang="en-US" sz="1700"/>
+              <a:rPr lang="en-US" sz="1700" dirty="0"/>
               <a:t>Global – Shared across multiple thread blocks… higher latency than other memory</a:t>
             </a:r>
           </a:p>
